--- a/ITI/HIE-Whitepaper/images/multiple-document-formats.pptx
+++ b/ITI/HIE-Whitepaper/images/multiple-document-formats.pptx
@@ -4,8 +4,11 @@
   <p:sldMasterIdLst>
     <p:sldMasterId id="2147483648" r:id="rId1"/>
   </p:sldMasterIdLst>
+  <p:notesMasterIdLst>
+    <p:notesMasterId r:id="rId3"/>
+  </p:notesMasterIdLst>
   <p:sldIdLst>
-    <p:sldId id="256" r:id="rId2"/>
+    <p:sldId id="268" r:id="rId2"/>
   </p:sldIdLst>
   <p:sldSz cx="12192000" cy="6858000"/>
   <p:notesSz cx="6858000" cy="9144000"/>
@@ -112,6 +115,439 @@
 </p:presentation>
 </file>
 
+<file path=ppt/notesMasters/notesMaster1.xml><?xml version="1.0" encoding="utf-8"?>
+<p:notesMaster xmlns:a="http://schemas.openxmlformats.org/drawingml/2006/main" xmlns:r="http://schemas.openxmlformats.org/officeDocument/2006/relationships" xmlns:p="http://schemas.openxmlformats.org/presentationml/2006/main">
+  <p:cSld>
+    <p:bg>
+      <p:bgRef idx="1001">
+        <a:schemeClr val="bg1"/>
+      </p:bgRef>
+    </p:bg>
+    <p:spTree>
+      <p:nvGrpSpPr>
+        <p:cNvPr id="1" name=""/>
+        <p:cNvGrpSpPr/>
+        <p:nvPr/>
+      </p:nvGrpSpPr>
+      <p:grpSpPr>
+        <a:xfrm>
+          <a:off x="0" y="0"/>
+          <a:ext cx="0" cy="0"/>
+          <a:chOff x="0" y="0"/>
+          <a:chExt cx="0" cy="0"/>
+        </a:xfrm>
+      </p:grpSpPr>
+      <p:sp>
+        <p:nvSpPr>
+          <p:cNvPr id="2" name="Header Placeholder 1"/>
+          <p:cNvSpPr>
+            <a:spLocks noGrp="1"/>
+          </p:cNvSpPr>
+          <p:nvPr>
+            <p:ph type="hdr" sz="quarter"/>
+          </p:nvPr>
+        </p:nvSpPr>
+        <p:spPr>
+          <a:xfrm>
+            <a:off x="0" y="0"/>
+            <a:ext cx="2971800" cy="458788"/>
+          </a:xfrm>
+          <a:prstGeom prst="rect">
+            <a:avLst/>
+          </a:prstGeom>
+        </p:spPr>
+        <p:txBody>
+          <a:bodyPr vert="horz" lIns="91440" tIns="45720" rIns="91440" bIns="45720" rtlCol="0"/>
+          <a:lstStyle>
+            <a:lvl1pPr algn="l">
+              <a:defRPr sz="1200"/>
+            </a:lvl1pPr>
+          </a:lstStyle>
+          <a:p>
+            <a:endParaRPr lang="en-US"/>
+          </a:p>
+        </p:txBody>
+      </p:sp>
+      <p:sp>
+        <p:nvSpPr>
+          <p:cNvPr id="3" name="Date Placeholder 2"/>
+          <p:cNvSpPr>
+            <a:spLocks noGrp="1"/>
+          </p:cNvSpPr>
+          <p:nvPr>
+            <p:ph type="dt" idx="1"/>
+          </p:nvPr>
+        </p:nvSpPr>
+        <p:spPr>
+          <a:xfrm>
+            <a:off x="3884613" y="0"/>
+            <a:ext cx="2971800" cy="458788"/>
+          </a:xfrm>
+          <a:prstGeom prst="rect">
+            <a:avLst/>
+          </a:prstGeom>
+        </p:spPr>
+        <p:txBody>
+          <a:bodyPr vert="horz" lIns="91440" tIns="45720" rIns="91440" bIns="45720" rtlCol="0"/>
+          <a:lstStyle>
+            <a:lvl1pPr algn="r">
+              <a:defRPr sz="1200"/>
+            </a:lvl1pPr>
+          </a:lstStyle>
+          <a:p>
+            <a:fld id="{29AEB4E5-5D46-4255-A47C-CDEF87975DC7}" type="datetimeFigureOut">
+              <a:rPr lang="en-US" smtClean="0"/>
+              <a:t>3/12/2021</a:t>
+            </a:fld>
+            <a:endParaRPr lang="en-US"/>
+          </a:p>
+        </p:txBody>
+      </p:sp>
+      <p:sp>
+        <p:nvSpPr>
+          <p:cNvPr id="4" name="Slide Image Placeholder 3"/>
+          <p:cNvSpPr>
+            <a:spLocks noGrp="1" noRot="1" noChangeAspect="1"/>
+          </p:cNvSpPr>
+          <p:nvPr>
+            <p:ph type="sldImg" idx="2"/>
+          </p:nvPr>
+        </p:nvSpPr>
+        <p:spPr>
+          <a:xfrm>
+            <a:off x="685800" y="1143000"/>
+            <a:ext cx="5486400" cy="3086100"/>
+          </a:xfrm>
+          <a:prstGeom prst="rect">
+            <a:avLst/>
+          </a:prstGeom>
+          <a:noFill/>
+          <a:ln w="12700">
+            <a:solidFill>
+              <a:prstClr val="black"/>
+            </a:solidFill>
+          </a:ln>
+        </p:spPr>
+        <p:txBody>
+          <a:bodyPr vert="horz" lIns="91440" tIns="45720" rIns="91440" bIns="45720" rtlCol="0" anchor="ctr"/>
+          <a:lstStyle/>
+          <a:p>
+            <a:endParaRPr lang="en-US"/>
+          </a:p>
+        </p:txBody>
+      </p:sp>
+      <p:sp>
+        <p:nvSpPr>
+          <p:cNvPr id="5" name="Notes Placeholder 4"/>
+          <p:cNvSpPr>
+            <a:spLocks noGrp="1"/>
+          </p:cNvSpPr>
+          <p:nvPr>
+            <p:ph type="body" sz="quarter" idx="3"/>
+          </p:nvPr>
+        </p:nvSpPr>
+        <p:spPr>
+          <a:xfrm>
+            <a:off x="685800" y="4400550"/>
+            <a:ext cx="5486400" cy="3600450"/>
+          </a:xfrm>
+          <a:prstGeom prst="rect">
+            <a:avLst/>
+          </a:prstGeom>
+        </p:spPr>
+        <p:txBody>
+          <a:bodyPr vert="horz" lIns="91440" tIns="45720" rIns="91440" bIns="45720" rtlCol="0"/>
+          <a:lstStyle/>
+          <a:p>
+            <a:pPr lvl="0"/>
+            <a:r>
+              <a:rPr lang="en-US"/>
+              <a:t>Click to edit Master text styles</a:t>
+            </a:r>
+          </a:p>
+          <a:p>
+            <a:pPr lvl="1"/>
+            <a:r>
+              <a:rPr lang="en-US"/>
+              <a:t>Second level</a:t>
+            </a:r>
+          </a:p>
+          <a:p>
+            <a:pPr lvl="2"/>
+            <a:r>
+              <a:rPr lang="en-US"/>
+              <a:t>Third level</a:t>
+            </a:r>
+          </a:p>
+          <a:p>
+            <a:pPr lvl="3"/>
+            <a:r>
+              <a:rPr lang="en-US"/>
+              <a:t>Fourth level</a:t>
+            </a:r>
+          </a:p>
+          <a:p>
+            <a:pPr lvl="4"/>
+            <a:r>
+              <a:rPr lang="en-US"/>
+              <a:t>Fifth level</a:t>
+            </a:r>
+          </a:p>
+        </p:txBody>
+      </p:sp>
+      <p:sp>
+        <p:nvSpPr>
+          <p:cNvPr id="6" name="Footer Placeholder 5"/>
+          <p:cNvSpPr>
+            <a:spLocks noGrp="1"/>
+          </p:cNvSpPr>
+          <p:nvPr>
+            <p:ph type="ftr" sz="quarter" idx="4"/>
+          </p:nvPr>
+        </p:nvSpPr>
+        <p:spPr>
+          <a:xfrm>
+            <a:off x="0" y="8685213"/>
+            <a:ext cx="2971800" cy="458787"/>
+          </a:xfrm>
+          <a:prstGeom prst="rect">
+            <a:avLst/>
+          </a:prstGeom>
+        </p:spPr>
+        <p:txBody>
+          <a:bodyPr vert="horz" lIns="91440" tIns="45720" rIns="91440" bIns="45720" rtlCol="0" anchor="b"/>
+          <a:lstStyle>
+            <a:lvl1pPr algn="l">
+              <a:defRPr sz="1200"/>
+            </a:lvl1pPr>
+          </a:lstStyle>
+          <a:p>
+            <a:endParaRPr lang="en-US"/>
+          </a:p>
+        </p:txBody>
+      </p:sp>
+      <p:sp>
+        <p:nvSpPr>
+          <p:cNvPr id="7" name="Slide Number Placeholder 6"/>
+          <p:cNvSpPr>
+            <a:spLocks noGrp="1"/>
+          </p:cNvSpPr>
+          <p:nvPr>
+            <p:ph type="sldNum" sz="quarter" idx="5"/>
+          </p:nvPr>
+        </p:nvSpPr>
+        <p:spPr>
+          <a:xfrm>
+            <a:off x="3884613" y="8685213"/>
+            <a:ext cx="2971800" cy="458787"/>
+          </a:xfrm>
+          <a:prstGeom prst="rect">
+            <a:avLst/>
+          </a:prstGeom>
+        </p:spPr>
+        <p:txBody>
+          <a:bodyPr vert="horz" lIns="91440" tIns="45720" rIns="91440" bIns="45720" rtlCol="0" anchor="b"/>
+          <a:lstStyle>
+            <a:lvl1pPr algn="r">
+              <a:defRPr sz="1200"/>
+            </a:lvl1pPr>
+          </a:lstStyle>
+          <a:p>
+            <a:fld id="{1E02C8FB-FBF0-4442-98CE-A6516692AD14}" type="slidenum">
+              <a:rPr lang="en-US" smtClean="0"/>
+              <a:t>‹#›</a:t>
+            </a:fld>
+            <a:endParaRPr lang="en-US"/>
+          </a:p>
+        </p:txBody>
+      </p:sp>
+    </p:spTree>
+    <p:extLst>
+      <p:ext uri="{BB962C8B-B14F-4D97-AF65-F5344CB8AC3E}">
+        <p14:creationId xmlns:p14="http://schemas.microsoft.com/office/powerpoint/2010/main" val="3816787908"/>
+      </p:ext>
+    </p:extLst>
+  </p:cSld>
+  <p:clrMap bg1="lt1" tx1="dk1" bg2="lt2" tx2="dk2" accent1="accent1" accent2="accent2" accent3="accent3" accent4="accent4" accent5="accent5" accent6="accent6" hlink="hlink" folHlink="folHlink"/>
+  <p:notesStyle>
+    <a:lvl1pPr marL="0" algn="l" defTabSz="914400" rtl="0" eaLnBrk="1" latinLnBrk="0" hangingPunct="1">
+      <a:defRPr sz="1200" kern="1200">
+        <a:solidFill>
+          <a:schemeClr val="tx1"/>
+        </a:solidFill>
+        <a:latin typeface="+mn-lt"/>
+        <a:ea typeface="+mn-ea"/>
+        <a:cs typeface="+mn-cs"/>
+      </a:defRPr>
+    </a:lvl1pPr>
+    <a:lvl2pPr marL="457200" algn="l" defTabSz="914400" rtl="0" eaLnBrk="1" latinLnBrk="0" hangingPunct="1">
+      <a:defRPr sz="1200" kern="1200">
+        <a:solidFill>
+          <a:schemeClr val="tx1"/>
+        </a:solidFill>
+        <a:latin typeface="+mn-lt"/>
+        <a:ea typeface="+mn-ea"/>
+        <a:cs typeface="+mn-cs"/>
+      </a:defRPr>
+    </a:lvl2pPr>
+    <a:lvl3pPr marL="914400" algn="l" defTabSz="914400" rtl="0" eaLnBrk="1" latinLnBrk="0" hangingPunct="1">
+      <a:defRPr sz="1200" kern="1200">
+        <a:solidFill>
+          <a:schemeClr val="tx1"/>
+        </a:solidFill>
+        <a:latin typeface="+mn-lt"/>
+        <a:ea typeface="+mn-ea"/>
+        <a:cs typeface="+mn-cs"/>
+      </a:defRPr>
+    </a:lvl3pPr>
+    <a:lvl4pPr marL="1371600" algn="l" defTabSz="914400" rtl="0" eaLnBrk="1" latinLnBrk="0" hangingPunct="1">
+      <a:defRPr sz="1200" kern="1200">
+        <a:solidFill>
+          <a:schemeClr val="tx1"/>
+        </a:solidFill>
+        <a:latin typeface="+mn-lt"/>
+        <a:ea typeface="+mn-ea"/>
+        <a:cs typeface="+mn-cs"/>
+      </a:defRPr>
+    </a:lvl4pPr>
+    <a:lvl5pPr marL="1828800" algn="l" defTabSz="914400" rtl="0" eaLnBrk="1" latinLnBrk="0" hangingPunct="1">
+      <a:defRPr sz="1200" kern="1200">
+        <a:solidFill>
+          <a:schemeClr val="tx1"/>
+        </a:solidFill>
+        <a:latin typeface="+mn-lt"/>
+        <a:ea typeface="+mn-ea"/>
+        <a:cs typeface="+mn-cs"/>
+      </a:defRPr>
+    </a:lvl5pPr>
+    <a:lvl6pPr marL="2286000" algn="l" defTabSz="914400" rtl="0" eaLnBrk="1" latinLnBrk="0" hangingPunct="1">
+      <a:defRPr sz="1200" kern="1200">
+        <a:solidFill>
+          <a:schemeClr val="tx1"/>
+        </a:solidFill>
+        <a:latin typeface="+mn-lt"/>
+        <a:ea typeface="+mn-ea"/>
+        <a:cs typeface="+mn-cs"/>
+      </a:defRPr>
+    </a:lvl6pPr>
+    <a:lvl7pPr marL="2743200" algn="l" defTabSz="914400" rtl="0" eaLnBrk="1" latinLnBrk="0" hangingPunct="1">
+      <a:defRPr sz="1200" kern="1200">
+        <a:solidFill>
+          <a:schemeClr val="tx1"/>
+        </a:solidFill>
+        <a:latin typeface="+mn-lt"/>
+        <a:ea typeface="+mn-ea"/>
+        <a:cs typeface="+mn-cs"/>
+      </a:defRPr>
+    </a:lvl7pPr>
+    <a:lvl8pPr marL="3200400" algn="l" defTabSz="914400" rtl="0" eaLnBrk="1" latinLnBrk="0" hangingPunct="1">
+      <a:defRPr sz="1200" kern="1200">
+        <a:solidFill>
+          <a:schemeClr val="tx1"/>
+        </a:solidFill>
+        <a:latin typeface="+mn-lt"/>
+        <a:ea typeface="+mn-ea"/>
+        <a:cs typeface="+mn-cs"/>
+      </a:defRPr>
+    </a:lvl8pPr>
+    <a:lvl9pPr marL="3657600" algn="l" defTabSz="914400" rtl="0" eaLnBrk="1" latinLnBrk="0" hangingPunct="1">
+      <a:defRPr sz="1200" kern="1200">
+        <a:solidFill>
+          <a:schemeClr val="tx1"/>
+        </a:solidFill>
+        <a:latin typeface="+mn-lt"/>
+        <a:ea typeface="+mn-ea"/>
+        <a:cs typeface="+mn-cs"/>
+      </a:defRPr>
+    </a:lvl9pPr>
+  </p:notesStyle>
+</p:notesMaster>
+</file>
+
+<file path=ppt/notesSlides/notesSlide1.xml><?xml version="1.0" encoding="utf-8"?>
+<p:notes xmlns:a="http://schemas.openxmlformats.org/drawingml/2006/main" xmlns:r="http://schemas.openxmlformats.org/officeDocument/2006/relationships" xmlns:p="http://schemas.openxmlformats.org/presentationml/2006/main">
+  <p:cSld>
+    <p:spTree>
+      <p:nvGrpSpPr>
+        <p:cNvPr id="1" name=""/>
+        <p:cNvGrpSpPr/>
+        <p:nvPr/>
+      </p:nvGrpSpPr>
+      <p:grpSpPr>
+        <a:xfrm>
+          <a:off x="0" y="0"/>
+          <a:ext cx="0" cy="0"/>
+          <a:chOff x="0" y="0"/>
+          <a:chExt cx="0" cy="0"/>
+        </a:xfrm>
+      </p:grpSpPr>
+      <p:sp>
+        <p:nvSpPr>
+          <p:cNvPr id="2" name="Slide Image Placeholder 1"/>
+          <p:cNvSpPr>
+            <a:spLocks noGrp="1" noRot="1" noChangeAspect="1"/>
+          </p:cNvSpPr>
+          <p:nvPr>
+            <p:ph type="sldImg"/>
+          </p:nvPr>
+        </p:nvSpPr>
+        <p:spPr/>
+      </p:sp>
+      <p:sp>
+        <p:nvSpPr>
+          <p:cNvPr id="3" name="Notes Placeholder 2"/>
+          <p:cNvSpPr>
+            <a:spLocks noGrp="1"/>
+          </p:cNvSpPr>
+          <p:nvPr>
+            <p:ph type="body" idx="1"/>
+          </p:nvPr>
+        </p:nvSpPr>
+        <p:spPr/>
+        <p:txBody>
+          <a:bodyPr/>
+          <a:lstStyle/>
+          <a:p>
+            <a:endParaRPr lang="en-US" dirty="0"/>
+          </a:p>
+        </p:txBody>
+      </p:sp>
+      <p:sp>
+        <p:nvSpPr>
+          <p:cNvPr id="4" name="Slide Number Placeholder 3"/>
+          <p:cNvSpPr>
+            <a:spLocks noGrp="1"/>
+          </p:cNvSpPr>
+          <p:nvPr>
+            <p:ph type="sldNum" sz="quarter" idx="10"/>
+          </p:nvPr>
+        </p:nvSpPr>
+        <p:spPr/>
+        <p:txBody>
+          <a:bodyPr/>
+          <a:lstStyle/>
+          <a:p>
+            <a:fld id="{669C9353-BF8B-4CEF-9C5A-E9ABB4ACA112}" type="slidenum">
+              <a:rPr lang="en-US" smtClean="0"/>
+              <a:t>1</a:t>
+            </a:fld>
+            <a:endParaRPr lang="en-US"/>
+          </a:p>
+        </p:txBody>
+      </p:sp>
+    </p:spTree>
+    <p:extLst>
+      <p:ext uri="{BB962C8B-B14F-4D97-AF65-F5344CB8AC3E}">
+        <p14:creationId xmlns:p14="http://schemas.microsoft.com/office/powerpoint/2010/main" val="1754683845"/>
+      </p:ext>
+    </p:extLst>
+  </p:cSld>
+  <p:clrMapOvr>
+    <a:masterClrMapping/>
+  </p:clrMapOvr>
+</p:notes>
+</file>
+
 <file path=ppt/slideLayouts/slideLayout1.xml><?xml version="1.0" encoding="utf-8"?>
 <p:sldLayout xmlns:a="http://schemas.openxmlformats.org/drawingml/2006/main" xmlns:r="http://schemas.openxmlformats.org/officeDocument/2006/relationships" xmlns:p="http://schemas.openxmlformats.org/presentationml/2006/main" type="title" preserve="1">
   <p:cSld name="Title Slide">
@@ -259,7 +695,7 @@
           <a:p>
             <a:fld id="{BAD0FFBF-4E99-45CB-A7A6-1786019EBE52}" type="datetimeFigureOut">
               <a:rPr lang="en-US" smtClean="0"/>
-              <a:t>9/15/2020</a:t>
+              <a:t>3/12/2021</a:t>
             </a:fld>
             <a:endParaRPr lang="en-US"/>
           </a:p>
@@ -457,7 +893,7 @@
           <a:p>
             <a:fld id="{BAD0FFBF-4E99-45CB-A7A6-1786019EBE52}" type="datetimeFigureOut">
               <a:rPr lang="en-US" smtClean="0"/>
-              <a:t>9/15/2020</a:t>
+              <a:t>3/12/2021</a:t>
             </a:fld>
             <a:endParaRPr lang="en-US"/>
           </a:p>
@@ -665,7 +1101,7 @@
           <a:p>
             <a:fld id="{BAD0FFBF-4E99-45CB-A7A6-1786019EBE52}" type="datetimeFigureOut">
               <a:rPr lang="en-US" smtClean="0"/>
-              <a:t>9/15/2020</a:t>
+              <a:t>3/12/2021</a:t>
             </a:fld>
             <a:endParaRPr lang="en-US"/>
           </a:p>
@@ -863,7 +1299,7 @@
           <a:p>
             <a:fld id="{BAD0FFBF-4E99-45CB-A7A6-1786019EBE52}" type="datetimeFigureOut">
               <a:rPr lang="en-US" smtClean="0"/>
-              <a:t>9/15/2020</a:t>
+              <a:t>3/12/2021</a:t>
             </a:fld>
             <a:endParaRPr lang="en-US"/>
           </a:p>
@@ -1138,7 +1574,7 @@
           <a:p>
             <a:fld id="{BAD0FFBF-4E99-45CB-A7A6-1786019EBE52}" type="datetimeFigureOut">
               <a:rPr lang="en-US" smtClean="0"/>
-              <a:t>9/15/2020</a:t>
+              <a:t>3/12/2021</a:t>
             </a:fld>
             <a:endParaRPr lang="en-US"/>
           </a:p>
@@ -1403,7 +1839,7 @@
           <a:p>
             <a:fld id="{BAD0FFBF-4E99-45CB-A7A6-1786019EBE52}" type="datetimeFigureOut">
               <a:rPr lang="en-US" smtClean="0"/>
-              <a:t>9/15/2020</a:t>
+              <a:t>3/12/2021</a:t>
             </a:fld>
             <a:endParaRPr lang="en-US"/>
           </a:p>
@@ -1815,7 +2251,7 @@
           <a:p>
             <a:fld id="{BAD0FFBF-4E99-45CB-A7A6-1786019EBE52}" type="datetimeFigureOut">
               <a:rPr lang="en-US" smtClean="0"/>
-              <a:t>9/15/2020</a:t>
+              <a:t>3/12/2021</a:t>
             </a:fld>
             <a:endParaRPr lang="en-US"/>
           </a:p>
@@ -1956,7 +2392,7 @@
           <a:p>
             <a:fld id="{BAD0FFBF-4E99-45CB-A7A6-1786019EBE52}" type="datetimeFigureOut">
               <a:rPr lang="en-US" smtClean="0"/>
-              <a:t>9/15/2020</a:t>
+              <a:t>3/12/2021</a:t>
             </a:fld>
             <a:endParaRPr lang="en-US"/>
           </a:p>
@@ -2069,7 +2505,7 @@
           <a:p>
             <a:fld id="{BAD0FFBF-4E99-45CB-A7A6-1786019EBE52}" type="datetimeFigureOut">
               <a:rPr lang="en-US" smtClean="0"/>
-              <a:t>9/15/2020</a:t>
+              <a:t>3/12/2021</a:t>
             </a:fld>
             <a:endParaRPr lang="en-US"/>
           </a:p>
@@ -2380,7 +2816,7 @@
           <a:p>
             <a:fld id="{BAD0FFBF-4E99-45CB-A7A6-1786019EBE52}" type="datetimeFigureOut">
               <a:rPr lang="en-US" smtClean="0"/>
-              <a:t>9/15/2020</a:t>
+              <a:t>3/12/2021</a:t>
             </a:fld>
             <a:endParaRPr lang="en-US"/>
           </a:p>
@@ -2668,7 +3104,7 @@
           <a:p>
             <a:fld id="{BAD0FFBF-4E99-45CB-A7A6-1786019EBE52}" type="datetimeFigureOut">
               <a:rPr lang="en-US" smtClean="0"/>
-              <a:t>9/15/2020</a:t>
+              <a:t>3/12/2021</a:t>
             </a:fld>
             <a:endParaRPr lang="en-US"/>
           </a:p>
@@ -2909,7 +3345,7 @@
           <a:p>
             <a:fld id="{BAD0FFBF-4E99-45CB-A7A6-1786019EBE52}" type="datetimeFigureOut">
               <a:rPr lang="en-US" smtClean="0"/>
-              <a:t>9/15/2020</a:t>
+              <a:t>3/12/2021</a:t>
             </a:fld>
             <a:endParaRPr lang="en-US"/>
           </a:p>
@@ -3326,559 +3762,1056 @@
           <a:chExt cx="0" cy="0"/>
         </a:xfrm>
       </p:grpSpPr>
-      <p:grpSp>
-        <p:nvGrpSpPr>
-          <p:cNvPr id="4" name="Group 3">
-            <a:extLst>
-              <a:ext uri="{FF2B5EF4-FFF2-40B4-BE49-F238E27FC236}">
-                <a16:creationId xmlns:a16="http://schemas.microsoft.com/office/drawing/2014/main" id="{E6580A5F-25C4-40DD-9695-0A4B1A64CB33}"/>
-              </a:ext>
-            </a:extLst>
-          </p:cNvPr>
-          <p:cNvGrpSpPr/>
+      <p:sp>
+        <p:nvSpPr>
+          <p:cNvPr id="7" name="TextBox 6"/>
+          <p:cNvSpPr txBox="1"/>
           <p:nvPr/>
-        </p:nvGrpSpPr>
-        <p:grpSpPr>
+        </p:nvSpPr>
+        <p:spPr>
           <a:xfrm>
-            <a:off x="1576952" y="476518"/>
-            <a:ext cx="9038095" cy="5284375"/>
-            <a:chOff x="1969169" y="1331495"/>
-            <a:chExt cx="5574754" cy="3449050"/>
+            <a:off x="3037724" y="339702"/>
+            <a:ext cx="6134480" cy="830997"/>
           </a:xfrm>
-        </p:grpSpPr>
-        <p:sp>
-          <p:nvSpPr>
-            <p:cNvPr id="5" name="Cylinder 4">
-              <a:extLst>
-                <a:ext uri="{FF2B5EF4-FFF2-40B4-BE49-F238E27FC236}">
-                  <a16:creationId xmlns:a16="http://schemas.microsoft.com/office/drawing/2014/main" id="{6401A76D-8F68-45ED-BB36-3421145D3332}"/>
-                </a:ext>
-              </a:extLst>
-            </p:cNvPr>
-            <p:cNvSpPr/>
-            <p:nvPr/>
-          </p:nvSpPr>
-          <p:spPr>
-            <a:xfrm>
-              <a:off x="2318084" y="1331495"/>
-              <a:ext cx="1475874" cy="753979"/>
-            </a:xfrm>
-            <a:prstGeom prst="can">
-              <a:avLst/>
-            </a:prstGeom>
-          </p:spPr>
-          <p:style>
-            <a:lnRef idx="2">
-              <a:schemeClr val="accent1">
-                <a:shade val="50000"/>
-              </a:schemeClr>
-            </a:lnRef>
-            <a:fillRef idx="1">
-              <a:schemeClr val="accent1"/>
-            </a:fillRef>
-            <a:effectRef idx="0">
-              <a:schemeClr val="accent1"/>
-            </a:effectRef>
-            <a:fontRef idx="minor">
-              <a:schemeClr val="lt1"/>
-            </a:fontRef>
-          </p:style>
-          <p:txBody>
-            <a:bodyPr rtlCol="0" anchor="ctr"/>
-            <a:lstStyle/>
-            <a:p>
-              <a:pPr algn="ctr"/>
-              <a:r>
-                <a:rPr lang="en-US" dirty="0"/>
-                <a:t>EMR</a:t>
-              </a:r>
-            </a:p>
-          </p:txBody>
-        </p:sp>
-        <p:sp>
-          <p:nvSpPr>
-            <p:cNvPr id="6" name="Flowchart: Document 5">
-              <a:extLst>
-                <a:ext uri="{FF2B5EF4-FFF2-40B4-BE49-F238E27FC236}">
-                  <a16:creationId xmlns:a16="http://schemas.microsoft.com/office/drawing/2014/main" id="{6ED0B89A-6B69-40A9-9759-9465AB2E78AA}"/>
-                </a:ext>
-              </a:extLst>
-            </p:cNvPr>
-            <p:cNvSpPr/>
-            <p:nvPr/>
-          </p:nvSpPr>
-          <p:spPr>
-            <a:xfrm>
-              <a:off x="1969169" y="2991851"/>
-              <a:ext cx="914400" cy="1074821"/>
-            </a:xfrm>
-            <a:prstGeom prst="flowChartDocument">
-              <a:avLst/>
-            </a:prstGeom>
-          </p:spPr>
-          <p:style>
-            <a:lnRef idx="2">
-              <a:schemeClr val="accent1">
-                <a:shade val="50000"/>
-              </a:schemeClr>
-            </a:lnRef>
-            <a:fillRef idx="1">
-              <a:schemeClr val="accent1"/>
-            </a:fillRef>
-            <a:effectRef idx="0">
-              <a:schemeClr val="accent1"/>
-            </a:effectRef>
-            <a:fontRef idx="minor">
-              <a:schemeClr val="lt1"/>
-            </a:fontRef>
-          </p:style>
-          <p:txBody>
-            <a:bodyPr rtlCol="0" anchor="ctr"/>
-            <a:lstStyle/>
-            <a:p>
-              <a:pPr algn="ctr"/>
-              <a:r>
-                <a:rPr lang="en-US" dirty="0"/>
-                <a:t>C-CDA</a:t>
-              </a:r>
-            </a:p>
-            <a:p>
-              <a:pPr algn="ctr"/>
-              <a:r>
-                <a:rPr lang="en-US" dirty="0"/>
-                <a:t>2.1</a:t>
-              </a:r>
-            </a:p>
-          </p:txBody>
-        </p:sp>
-        <p:sp>
-          <p:nvSpPr>
-            <p:cNvPr id="7" name="Flowchart: Document 6">
-              <a:extLst>
-                <a:ext uri="{FF2B5EF4-FFF2-40B4-BE49-F238E27FC236}">
-                  <a16:creationId xmlns:a16="http://schemas.microsoft.com/office/drawing/2014/main" id="{0D751440-FD81-48E4-8664-CC9638108429}"/>
-                </a:ext>
-              </a:extLst>
-            </p:cNvPr>
-            <p:cNvSpPr/>
-            <p:nvPr/>
-          </p:nvSpPr>
-          <p:spPr>
-            <a:xfrm>
-              <a:off x="3045995" y="3705724"/>
-              <a:ext cx="914400" cy="1074821"/>
-            </a:xfrm>
-            <a:prstGeom prst="flowChartDocument">
-              <a:avLst/>
-            </a:prstGeom>
-          </p:spPr>
-          <p:style>
-            <a:lnRef idx="2">
-              <a:schemeClr val="accent1">
-                <a:shade val="50000"/>
-              </a:schemeClr>
-            </a:lnRef>
-            <a:fillRef idx="1">
-              <a:schemeClr val="accent1"/>
-            </a:fillRef>
-            <a:effectRef idx="0">
-              <a:schemeClr val="accent1"/>
-            </a:effectRef>
-            <a:fontRef idx="minor">
-              <a:schemeClr val="lt1"/>
-            </a:fontRef>
-          </p:style>
-          <p:txBody>
-            <a:bodyPr rtlCol="0" anchor="ctr"/>
-            <a:lstStyle/>
-            <a:p>
-              <a:pPr algn="ctr"/>
-              <a:r>
-                <a:rPr lang="en-US"/>
-                <a:t>CCD</a:t>
-              </a:r>
-              <a:endParaRPr lang="en-US" dirty="0"/>
-            </a:p>
-            <a:p>
-              <a:pPr algn="ctr"/>
-              <a:endParaRPr lang="en-US" dirty="0"/>
-            </a:p>
-          </p:txBody>
-        </p:sp>
-        <p:sp>
-          <p:nvSpPr>
-            <p:cNvPr id="8" name="Flowchart: Document 7">
-              <a:extLst>
-                <a:ext uri="{FF2B5EF4-FFF2-40B4-BE49-F238E27FC236}">
-                  <a16:creationId xmlns:a16="http://schemas.microsoft.com/office/drawing/2014/main" id="{72B35488-5B59-4583-A90B-2D4315764216}"/>
-                </a:ext>
-              </a:extLst>
-            </p:cNvPr>
-            <p:cNvSpPr/>
-            <p:nvPr/>
-          </p:nvSpPr>
-          <p:spPr>
-            <a:xfrm>
-              <a:off x="4253225" y="3705722"/>
-              <a:ext cx="914400" cy="1074821"/>
-            </a:xfrm>
-            <a:prstGeom prst="flowChartDocument">
-              <a:avLst/>
-            </a:prstGeom>
-          </p:spPr>
-          <p:style>
-            <a:lnRef idx="2">
-              <a:schemeClr val="accent1">
-                <a:shade val="50000"/>
-              </a:schemeClr>
-            </a:lnRef>
-            <a:fillRef idx="1">
-              <a:schemeClr val="accent1"/>
-            </a:fillRef>
-            <a:effectRef idx="0">
-              <a:schemeClr val="accent1"/>
-            </a:effectRef>
-            <a:fontRef idx="minor">
-              <a:schemeClr val="lt1"/>
-            </a:fontRef>
-          </p:style>
-          <p:txBody>
-            <a:bodyPr rtlCol="0" anchor="ctr"/>
-            <a:lstStyle/>
-            <a:p>
-              <a:pPr algn="ctr"/>
-              <a:r>
-                <a:rPr lang="en-US" dirty="0"/>
-                <a:t>C32</a:t>
-              </a:r>
-            </a:p>
-            <a:p>
-              <a:pPr algn="ctr"/>
-              <a:endParaRPr lang="en-US" dirty="0"/>
-            </a:p>
-          </p:txBody>
-        </p:sp>
-        <p:sp>
-          <p:nvSpPr>
-            <p:cNvPr id="9" name="Flowchart: Document 8">
-              <a:extLst>
-                <a:ext uri="{FF2B5EF4-FFF2-40B4-BE49-F238E27FC236}">
-                  <a16:creationId xmlns:a16="http://schemas.microsoft.com/office/drawing/2014/main" id="{C9F5D175-5865-4AC7-9CEA-4E3C08B51786}"/>
-                </a:ext>
-              </a:extLst>
-            </p:cNvPr>
-            <p:cNvSpPr/>
-            <p:nvPr/>
-          </p:nvSpPr>
-          <p:spPr>
-            <a:xfrm>
-              <a:off x="5402180" y="3705723"/>
-              <a:ext cx="914400" cy="1074821"/>
-            </a:xfrm>
-            <a:prstGeom prst="flowChartDocument">
-              <a:avLst/>
-            </a:prstGeom>
-          </p:spPr>
-          <p:style>
-            <a:lnRef idx="2">
-              <a:schemeClr val="accent1">
-                <a:shade val="50000"/>
-              </a:schemeClr>
-            </a:lnRef>
-            <a:fillRef idx="1">
-              <a:schemeClr val="accent1"/>
-            </a:fillRef>
-            <a:effectRef idx="0">
-              <a:schemeClr val="accent1"/>
-            </a:effectRef>
-            <a:fontRef idx="minor">
-              <a:schemeClr val="lt1"/>
-            </a:fontRef>
-          </p:style>
-          <p:txBody>
-            <a:bodyPr rtlCol="0" anchor="ctr"/>
-            <a:lstStyle/>
-            <a:p>
-              <a:pPr algn="ctr"/>
-              <a:r>
-                <a:rPr lang="en-US" dirty="0"/>
-                <a:t>PDF</a:t>
-              </a:r>
-            </a:p>
-            <a:p>
-              <a:pPr algn="ctr"/>
-              <a:endParaRPr lang="en-US" dirty="0"/>
-            </a:p>
-          </p:txBody>
-        </p:sp>
-        <p:cxnSp>
-          <p:nvCxnSpPr>
-            <p:cNvPr id="10" name="Straight Arrow Connector 9">
-              <a:extLst>
-                <a:ext uri="{FF2B5EF4-FFF2-40B4-BE49-F238E27FC236}">
-                  <a16:creationId xmlns:a16="http://schemas.microsoft.com/office/drawing/2014/main" id="{910E48FA-F755-48C7-B5AF-0255931E4CDE}"/>
-                </a:ext>
-              </a:extLst>
-            </p:cNvPr>
-            <p:cNvCxnSpPr>
-              <a:stCxn id="5" idx="3"/>
-              <a:endCxn id="6" idx="0"/>
-            </p:cNvCxnSpPr>
-            <p:nvPr/>
-          </p:nvCxnSpPr>
-          <p:spPr>
-            <a:xfrm flipH="1">
-              <a:off x="2426369" y="2085474"/>
-              <a:ext cx="629652" cy="906377"/>
-            </a:xfrm>
-            <a:prstGeom prst="straightConnector1">
-              <a:avLst/>
-            </a:prstGeom>
-            <a:ln>
-              <a:tailEnd type="triangle"/>
-            </a:ln>
-          </p:spPr>
-          <p:style>
-            <a:lnRef idx="1">
-              <a:schemeClr val="accent1"/>
-            </a:lnRef>
-            <a:fillRef idx="0">
-              <a:schemeClr val="accent1"/>
-            </a:fillRef>
-            <a:effectRef idx="0">
-              <a:schemeClr val="accent1"/>
-            </a:effectRef>
-            <a:fontRef idx="minor">
-              <a:schemeClr val="tx1"/>
-            </a:fontRef>
-          </p:style>
-        </p:cxnSp>
-        <p:cxnSp>
-          <p:nvCxnSpPr>
-            <p:cNvPr id="11" name="Straight Arrow Connector 10">
-              <a:extLst>
-                <a:ext uri="{FF2B5EF4-FFF2-40B4-BE49-F238E27FC236}">
-                  <a16:creationId xmlns:a16="http://schemas.microsoft.com/office/drawing/2014/main" id="{59535BE5-1C52-4C5C-979E-D4E250DA5FF7}"/>
-                </a:ext>
-              </a:extLst>
-            </p:cNvPr>
-            <p:cNvCxnSpPr>
-              <a:cxnSpLocks/>
-              <a:endCxn id="7" idx="0"/>
-            </p:cNvCxnSpPr>
-            <p:nvPr/>
-          </p:nvCxnSpPr>
-          <p:spPr>
-            <a:xfrm>
-              <a:off x="2883569" y="3168314"/>
-              <a:ext cx="619626" cy="537410"/>
-            </a:xfrm>
-            <a:prstGeom prst="straightConnector1">
-              <a:avLst/>
-            </a:prstGeom>
-            <a:ln>
-              <a:tailEnd type="triangle"/>
-            </a:ln>
-          </p:spPr>
-          <p:style>
-            <a:lnRef idx="1">
-              <a:schemeClr val="accent1"/>
-            </a:lnRef>
-            <a:fillRef idx="0">
-              <a:schemeClr val="accent1"/>
-            </a:fillRef>
-            <a:effectRef idx="0">
-              <a:schemeClr val="accent1"/>
-            </a:effectRef>
-            <a:fontRef idx="minor">
-              <a:schemeClr val="tx1"/>
-            </a:fontRef>
-          </p:style>
-        </p:cxnSp>
-        <p:cxnSp>
-          <p:nvCxnSpPr>
-            <p:cNvPr id="12" name="Straight Arrow Connector 11">
-              <a:extLst>
-                <a:ext uri="{FF2B5EF4-FFF2-40B4-BE49-F238E27FC236}">
-                  <a16:creationId xmlns:a16="http://schemas.microsoft.com/office/drawing/2014/main" id="{D937ED46-2236-4CC1-94FE-771C1992909F}"/>
-                </a:ext>
-              </a:extLst>
-            </p:cNvPr>
-            <p:cNvCxnSpPr>
-              <a:cxnSpLocks/>
-              <a:endCxn id="8" idx="0"/>
-            </p:cNvCxnSpPr>
-            <p:nvPr/>
-          </p:nvCxnSpPr>
-          <p:spPr>
-            <a:xfrm>
-              <a:off x="2883569" y="3168313"/>
-              <a:ext cx="1826856" cy="537409"/>
-            </a:xfrm>
-            <a:prstGeom prst="straightConnector1">
-              <a:avLst/>
-            </a:prstGeom>
-            <a:ln>
-              <a:tailEnd type="triangle"/>
-            </a:ln>
-          </p:spPr>
-          <p:style>
-            <a:lnRef idx="1">
-              <a:schemeClr val="accent1"/>
-            </a:lnRef>
-            <a:fillRef idx="0">
-              <a:schemeClr val="accent1"/>
-            </a:fillRef>
-            <a:effectRef idx="0">
-              <a:schemeClr val="accent1"/>
-            </a:effectRef>
-            <a:fontRef idx="minor">
-              <a:schemeClr val="tx1"/>
-            </a:fontRef>
-          </p:style>
-        </p:cxnSp>
-        <p:cxnSp>
-          <p:nvCxnSpPr>
-            <p:cNvPr id="13" name="Straight Arrow Connector 12">
-              <a:extLst>
-                <a:ext uri="{FF2B5EF4-FFF2-40B4-BE49-F238E27FC236}">
-                  <a16:creationId xmlns:a16="http://schemas.microsoft.com/office/drawing/2014/main" id="{42B1D3D5-B7EF-400A-9AE2-589AB81E7B50}"/>
-                </a:ext>
-              </a:extLst>
-            </p:cNvPr>
-            <p:cNvCxnSpPr>
-              <a:cxnSpLocks/>
-              <a:endCxn id="9" idx="0"/>
-            </p:cNvCxnSpPr>
-            <p:nvPr/>
-          </p:nvCxnSpPr>
-          <p:spPr>
-            <a:xfrm>
-              <a:off x="2883569" y="3168314"/>
-              <a:ext cx="2975811" cy="537409"/>
-            </a:xfrm>
-            <a:prstGeom prst="straightConnector1">
-              <a:avLst/>
-            </a:prstGeom>
-            <a:ln>
-              <a:tailEnd type="triangle"/>
-            </a:ln>
-          </p:spPr>
-          <p:style>
-            <a:lnRef idx="1">
-              <a:schemeClr val="accent1"/>
-            </a:lnRef>
-            <a:fillRef idx="0">
-              <a:schemeClr val="accent1"/>
-            </a:fillRef>
-            <a:effectRef idx="0">
-              <a:schemeClr val="accent1"/>
-            </a:effectRef>
-            <a:fontRef idx="minor">
-              <a:schemeClr val="tx1"/>
-            </a:fontRef>
-          </p:style>
-        </p:cxnSp>
-        <p:sp>
-          <p:nvSpPr>
-            <p:cNvPr id="14" name="Flowchart: Document 13">
-              <a:extLst>
-                <a:ext uri="{FF2B5EF4-FFF2-40B4-BE49-F238E27FC236}">
-                  <a16:creationId xmlns:a16="http://schemas.microsoft.com/office/drawing/2014/main" id="{65E4D855-B365-40E8-93BE-E4FCA6F48D00}"/>
-                </a:ext>
-              </a:extLst>
-            </p:cNvPr>
-            <p:cNvSpPr/>
-            <p:nvPr/>
-          </p:nvSpPr>
-          <p:spPr>
-            <a:xfrm>
-              <a:off x="6629523" y="3705722"/>
-              <a:ext cx="914400" cy="1074821"/>
-            </a:xfrm>
-            <a:prstGeom prst="flowChartDocument">
-              <a:avLst/>
-            </a:prstGeom>
-          </p:spPr>
-          <p:style>
-            <a:lnRef idx="2">
-              <a:schemeClr val="accent1">
-                <a:shade val="50000"/>
-              </a:schemeClr>
-            </a:lnRef>
-            <a:fillRef idx="1">
-              <a:schemeClr val="accent1"/>
-            </a:fillRef>
-            <a:effectRef idx="0">
-              <a:schemeClr val="accent1"/>
-            </a:effectRef>
-            <a:fontRef idx="minor">
-              <a:schemeClr val="lt1"/>
-            </a:fontRef>
-          </p:style>
-          <p:txBody>
-            <a:bodyPr rtlCol="0" anchor="ctr"/>
-            <a:lstStyle/>
-            <a:p>
-              <a:pPr algn="ctr"/>
-              <a:r>
-                <a:rPr lang="en-US" dirty="0"/>
-                <a:t>FHIR</a:t>
-              </a:r>
-            </a:p>
-            <a:p>
-              <a:pPr algn="ctr"/>
-              <a:endParaRPr lang="en-US" dirty="0"/>
-            </a:p>
-          </p:txBody>
-        </p:sp>
-        <p:cxnSp>
-          <p:nvCxnSpPr>
-            <p:cNvPr id="15" name="Straight Arrow Connector 14">
-              <a:extLst>
-                <a:ext uri="{FF2B5EF4-FFF2-40B4-BE49-F238E27FC236}">
-                  <a16:creationId xmlns:a16="http://schemas.microsoft.com/office/drawing/2014/main" id="{15B24488-89F3-48BE-BD28-BB8D4563EF80}"/>
-                </a:ext>
-              </a:extLst>
-            </p:cNvPr>
-            <p:cNvCxnSpPr>
-              <a:cxnSpLocks/>
-              <a:endCxn id="14" idx="0"/>
-            </p:cNvCxnSpPr>
-            <p:nvPr/>
-          </p:nvCxnSpPr>
-          <p:spPr>
-            <a:xfrm>
-              <a:off x="2883569" y="3152277"/>
-              <a:ext cx="4203154" cy="553445"/>
-            </a:xfrm>
-            <a:prstGeom prst="straightConnector1">
-              <a:avLst/>
-            </a:prstGeom>
-            <a:ln>
-              <a:tailEnd type="triangle"/>
-            </a:ln>
-          </p:spPr>
-          <p:style>
-            <a:lnRef idx="1">
-              <a:schemeClr val="accent1"/>
-            </a:lnRef>
-            <a:fillRef idx="0">
-              <a:schemeClr val="accent1"/>
-            </a:fillRef>
-            <a:effectRef idx="0">
-              <a:schemeClr val="accent1"/>
-            </a:effectRef>
-            <a:fontRef idx="minor">
-              <a:schemeClr val="tx1"/>
-            </a:fontRef>
-          </p:style>
-        </p:cxnSp>
-      </p:grpSp>
+          <a:prstGeom prst="rect">
+            <a:avLst/>
+          </a:prstGeom>
+          <a:noFill/>
+        </p:spPr>
+        <p:txBody>
+          <a:bodyPr wrap="square" rtlCol="0">
+            <a:spAutoFit/>
+          </a:bodyPr>
+          <a:lstStyle/>
+          <a:p>
+            <a:pPr algn="ctr"/>
+            <a:r>
+              <a:rPr lang="en-US" sz="2400" b="1" dirty="0">
+                <a:solidFill>
+                  <a:schemeClr val="bg1"/>
+                </a:solidFill>
+              </a:rPr>
+              <a:t>Multiple Documents Formats of the Same Document Related By Document Associations</a:t>
+            </a:r>
+          </a:p>
+        </p:txBody>
+      </p:sp>
+      <p:sp>
+        <p:nvSpPr>
+          <p:cNvPr id="17" name="Rounded Rectangle 16"/>
+          <p:cNvSpPr/>
+          <p:nvPr/>
+        </p:nvSpPr>
+        <p:spPr>
+          <a:xfrm>
+            <a:off x="8446382" y="479834"/>
+            <a:ext cx="2206490" cy="1986461"/>
+          </a:xfrm>
+          <a:prstGeom prst="roundRect">
+            <a:avLst/>
+          </a:prstGeom>
+          <a:solidFill>
+            <a:schemeClr val="accent1">
+              <a:lumMod val="75000"/>
+            </a:schemeClr>
+          </a:solidFill>
+          <a:ln>
+            <a:noFill/>
+          </a:ln>
+        </p:spPr>
+        <p:style>
+          <a:lnRef idx="0">
+            <a:scrgbClr r="0" g="0" b="0"/>
+          </a:lnRef>
+          <a:fillRef idx="0">
+            <a:scrgbClr r="0" g="0" b="0"/>
+          </a:fillRef>
+          <a:effectRef idx="0">
+            <a:scrgbClr r="0" g="0" b="0"/>
+          </a:effectRef>
+          <a:fontRef idx="minor">
+            <a:schemeClr val="lt1"/>
+          </a:fontRef>
+        </p:style>
+        <p:txBody>
+          <a:bodyPr rtlCol="0" anchor="ctr"/>
+          <a:lstStyle/>
+          <a:p>
+            <a:pPr algn="ctr"/>
+            <a:endParaRPr lang="en-US"/>
+          </a:p>
+        </p:txBody>
+      </p:sp>
+      <p:cxnSp>
+        <p:nvCxnSpPr>
+          <p:cNvPr id="44" name="Straight Arrow Connector 43"/>
+          <p:cNvCxnSpPr/>
+          <p:nvPr/>
+        </p:nvCxnSpPr>
+        <p:spPr>
+          <a:xfrm>
+            <a:off x="6586264" y="1422679"/>
+            <a:ext cx="2086503" cy="0"/>
+          </a:xfrm>
+          <a:prstGeom prst="straightConnector1">
+            <a:avLst/>
+          </a:prstGeom>
+          <a:ln w="76200">
+            <a:prstDash val="dash"/>
+            <a:tailEnd type="triangle"/>
+          </a:ln>
+        </p:spPr>
+        <p:style>
+          <a:lnRef idx="1">
+            <a:schemeClr val="dk1"/>
+          </a:lnRef>
+          <a:fillRef idx="0">
+            <a:schemeClr val="dk1"/>
+          </a:fillRef>
+          <a:effectRef idx="0">
+            <a:schemeClr val="dk1"/>
+          </a:effectRef>
+          <a:fontRef idx="minor">
+            <a:schemeClr val="tx1"/>
+          </a:fontRef>
+        </p:style>
+      </p:cxnSp>
+      <p:cxnSp>
+        <p:nvCxnSpPr>
+          <p:cNvPr id="40" name="Straight Arrow Connector 39"/>
+          <p:cNvCxnSpPr>
+            <a:cxnSpLocks/>
+            <a:endCxn id="29" idx="0"/>
+          </p:cNvCxnSpPr>
+          <p:nvPr/>
+        </p:nvCxnSpPr>
+        <p:spPr>
+          <a:xfrm>
+            <a:off x="9625019" y="2280091"/>
+            <a:ext cx="92" cy="2152300"/>
+          </a:xfrm>
+          <a:prstGeom prst="straightConnector1">
+            <a:avLst/>
+          </a:prstGeom>
+          <a:ln w="76200">
+            <a:prstDash val="dash"/>
+            <a:tailEnd type="triangle"/>
+          </a:ln>
+        </p:spPr>
+        <p:style>
+          <a:lnRef idx="1">
+            <a:schemeClr val="dk1"/>
+          </a:lnRef>
+          <a:fillRef idx="0">
+            <a:schemeClr val="dk1"/>
+          </a:fillRef>
+          <a:effectRef idx="0">
+            <a:schemeClr val="dk1"/>
+          </a:effectRef>
+          <a:fontRef idx="minor">
+            <a:schemeClr val="tx1"/>
+          </a:fontRef>
+        </p:style>
+      </p:cxnSp>
+      <p:sp>
+        <p:nvSpPr>
+          <p:cNvPr id="63" name="TextBox 62"/>
+          <p:cNvSpPr txBox="1"/>
+          <p:nvPr/>
+        </p:nvSpPr>
+        <p:spPr>
+          <a:xfrm>
+            <a:off x="8672767" y="753705"/>
+            <a:ext cx="1904506" cy="1526386"/>
+          </a:xfrm>
+          <a:prstGeom prst="rect">
+            <a:avLst/>
+          </a:prstGeom>
+          <a:noFill/>
+        </p:spPr>
+        <p:txBody>
+          <a:bodyPr wrap="square" rtlCol="0">
+            <a:spAutoFit/>
+          </a:bodyPr>
+          <a:lstStyle/>
+          <a:p>
+            <a:pPr algn="ctr"/>
+            <a:r>
+              <a:rPr lang="en-US" sz="1400" b="1" dirty="0">
+                <a:solidFill>
+                  <a:schemeClr val="bg1"/>
+                </a:solidFill>
+              </a:rPr>
+              <a:t>Consolidated Clinical Document Architecture </a:t>
+            </a:r>
+          </a:p>
+          <a:p>
+            <a:pPr algn="ctr"/>
+            <a:r>
+              <a:rPr lang="en-US" sz="1400" b="1" dirty="0">
+                <a:solidFill>
+                  <a:schemeClr val="bg1"/>
+                </a:solidFill>
+              </a:rPr>
+              <a:t>(C-CDA 2.1)</a:t>
+            </a:r>
+          </a:p>
+        </p:txBody>
+      </p:sp>
+      <p:sp>
+        <p:nvSpPr>
+          <p:cNvPr id="22" name="Rounded Rectangle 21"/>
+          <p:cNvSpPr/>
+          <p:nvPr/>
+        </p:nvSpPr>
+        <p:spPr>
+          <a:xfrm>
+            <a:off x="1308498" y="4396576"/>
+            <a:ext cx="2206490" cy="1986461"/>
+          </a:xfrm>
+          <a:prstGeom prst="roundRect">
+            <a:avLst/>
+          </a:prstGeom>
+          <a:solidFill>
+            <a:schemeClr val="accent1">
+              <a:lumMod val="75000"/>
+            </a:schemeClr>
+          </a:solidFill>
+          <a:ln>
+            <a:noFill/>
+          </a:ln>
+        </p:spPr>
+        <p:style>
+          <a:lnRef idx="0">
+            <a:scrgbClr r="0" g="0" b="0"/>
+          </a:lnRef>
+          <a:fillRef idx="0">
+            <a:scrgbClr r="0" g="0" b="0"/>
+          </a:fillRef>
+          <a:effectRef idx="0">
+            <a:scrgbClr r="0" g="0" b="0"/>
+          </a:effectRef>
+          <a:fontRef idx="minor">
+            <a:schemeClr val="lt1"/>
+          </a:fontRef>
+        </p:style>
+        <p:txBody>
+          <a:bodyPr rtlCol="0" anchor="ctr"/>
+          <a:lstStyle/>
+          <a:p>
+            <a:pPr algn="ctr"/>
+            <a:endParaRPr lang="en-US"/>
+          </a:p>
+        </p:txBody>
+      </p:sp>
+      <p:sp>
+        <p:nvSpPr>
+          <p:cNvPr id="23" name="TextBox 22"/>
+          <p:cNvSpPr txBox="1"/>
+          <p:nvPr/>
+        </p:nvSpPr>
+        <p:spPr>
+          <a:xfrm>
+            <a:off x="1485464" y="4980040"/>
+            <a:ext cx="1904506" cy="964034"/>
+          </a:xfrm>
+          <a:prstGeom prst="rect">
+            <a:avLst/>
+          </a:prstGeom>
+          <a:noFill/>
+        </p:spPr>
+        <p:txBody>
+          <a:bodyPr wrap="square" rtlCol="0">
+            <a:spAutoFit/>
+          </a:bodyPr>
+          <a:lstStyle/>
+          <a:p>
+            <a:pPr algn="ctr"/>
+            <a:r>
+              <a:rPr lang="en-US" sz="1400" b="1" dirty="0">
+                <a:solidFill>
+                  <a:schemeClr val="bg1"/>
+                </a:solidFill>
+              </a:rPr>
+              <a:t>Continuity of Care Document</a:t>
+            </a:r>
+          </a:p>
+          <a:p>
+            <a:pPr algn="ctr"/>
+            <a:r>
+              <a:rPr lang="en-US" sz="1400" b="1" dirty="0">
+                <a:solidFill>
+                  <a:schemeClr val="bg1"/>
+                </a:solidFill>
+              </a:rPr>
+              <a:t>(CCD)</a:t>
+            </a:r>
+          </a:p>
+        </p:txBody>
+      </p:sp>
+      <p:sp>
+        <p:nvSpPr>
+          <p:cNvPr id="24" name="Rounded Rectangle 23"/>
+          <p:cNvSpPr/>
+          <p:nvPr/>
+        </p:nvSpPr>
+        <p:spPr>
+          <a:xfrm>
+            <a:off x="3685710" y="4411132"/>
+            <a:ext cx="2206490" cy="1986461"/>
+          </a:xfrm>
+          <a:prstGeom prst="roundRect">
+            <a:avLst/>
+          </a:prstGeom>
+          <a:solidFill>
+            <a:schemeClr val="accent1">
+              <a:lumMod val="75000"/>
+            </a:schemeClr>
+          </a:solidFill>
+          <a:ln>
+            <a:noFill/>
+          </a:ln>
+        </p:spPr>
+        <p:style>
+          <a:lnRef idx="0">
+            <a:scrgbClr r="0" g="0" b="0"/>
+          </a:lnRef>
+          <a:fillRef idx="0">
+            <a:scrgbClr r="0" g="0" b="0"/>
+          </a:fillRef>
+          <a:effectRef idx="0">
+            <a:scrgbClr r="0" g="0" b="0"/>
+          </a:effectRef>
+          <a:fontRef idx="minor">
+            <a:schemeClr val="lt1"/>
+          </a:fontRef>
+        </p:style>
+        <p:txBody>
+          <a:bodyPr rtlCol="0" anchor="ctr"/>
+          <a:lstStyle/>
+          <a:p>
+            <a:pPr algn="ctr"/>
+            <a:endParaRPr lang="en-US"/>
+          </a:p>
+        </p:txBody>
+      </p:sp>
+      <p:sp>
+        <p:nvSpPr>
+          <p:cNvPr id="26" name="TextBox 25"/>
+          <p:cNvSpPr txBox="1"/>
+          <p:nvPr/>
+        </p:nvSpPr>
+        <p:spPr>
+          <a:xfrm>
+            <a:off x="3836701" y="4890072"/>
+            <a:ext cx="1904506" cy="1245209"/>
+          </a:xfrm>
+          <a:prstGeom prst="rect">
+            <a:avLst/>
+          </a:prstGeom>
+          <a:noFill/>
+        </p:spPr>
+        <p:txBody>
+          <a:bodyPr wrap="square" rtlCol="0">
+            <a:spAutoFit/>
+          </a:bodyPr>
+          <a:lstStyle/>
+          <a:p>
+            <a:pPr algn="ctr"/>
+            <a:r>
+              <a:rPr lang="en-US" sz="1400" b="1" dirty="0">
+                <a:solidFill>
+                  <a:schemeClr val="bg1"/>
+                </a:solidFill>
+              </a:rPr>
+              <a:t>HITSP Interoperability</a:t>
+            </a:r>
+          </a:p>
+          <a:p>
+            <a:pPr algn="ctr"/>
+            <a:r>
+              <a:rPr lang="en-US" sz="1400" b="1" dirty="0">
+                <a:solidFill>
+                  <a:schemeClr val="bg1"/>
+                </a:solidFill>
+              </a:rPr>
+              <a:t>Specification C32</a:t>
+            </a:r>
+          </a:p>
+        </p:txBody>
+      </p:sp>
+      <p:sp>
+        <p:nvSpPr>
+          <p:cNvPr id="27" name="Rounded Rectangle 26"/>
+          <p:cNvSpPr/>
+          <p:nvPr/>
+        </p:nvSpPr>
+        <p:spPr>
+          <a:xfrm>
+            <a:off x="6056215" y="4411132"/>
+            <a:ext cx="2206490" cy="1986461"/>
+          </a:xfrm>
+          <a:prstGeom prst="roundRect">
+            <a:avLst/>
+          </a:prstGeom>
+          <a:solidFill>
+            <a:schemeClr val="accent1">
+              <a:lumMod val="75000"/>
+            </a:schemeClr>
+          </a:solidFill>
+          <a:ln>
+            <a:noFill/>
+          </a:ln>
+        </p:spPr>
+        <p:style>
+          <a:lnRef idx="0">
+            <a:scrgbClr r="0" g="0" b="0"/>
+          </a:lnRef>
+          <a:fillRef idx="0">
+            <a:scrgbClr r="0" g="0" b="0"/>
+          </a:fillRef>
+          <a:effectRef idx="0">
+            <a:scrgbClr r="0" g="0" b="0"/>
+          </a:effectRef>
+          <a:fontRef idx="minor">
+            <a:schemeClr val="lt1"/>
+          </a:fontRef>
+        </p:style>
+        <p:txBody>
+          <a:bodyPr rtlCol="0" anchor="ctr"/>
+          <a:lstStyle/>
+          <a:p>
+            <a:pPr algn="ctr"/>
+            <a:endParaRPr lang="en-US"/>
+          </a:p>
+        </p:txBody>
+      </p:sp>
+      <p:sp>
+        <p:nvSpPr>
+          <p:cNvPr id="28" name="TextBox 27"/>
+          <p:cNvSpPr txBox="1"/>
+          <p:nvPr/>
+        </p:nvSpPr>
+        <p:spPr>
+          <a:xfrm>
+            <a:off x="6207206" y="4756763"/>
+            <a:ext cx="1904506" cy="1245209"/>
+          </a:xfrm>
+          <a:prstGeom prst="rect">
+            <a:avLst/>
+          </a:prstGeom>
+          <a:noFill/>
+        </p:spPr>
+        <p:txBody>
+          <a:bodyPr wrap="square" rtlCol="0">
+            <a:spAutoFit/>
+          </a:bodyPr>
+          <a:lstStyle/>
+          <a:p>
+            <a:pPr algn="ctr"/>
+            <a:r>
+              <a:rPr lang="en-US" sz="1400" b="1" dirty="0">
+                <a:solidFill>
+                  <a:schemeClr val="bg1"/>
+                </a:solidFill>
+              </a:rPr>
+              <a:t>Portable Document Format</a:t>
+            </a:r>
+          </a:p>
+          <a:p>
+            <a:pPr algn="ctr"/>
+            <a:r>
+              <a:rPr lang="en-US" sz="1400" b="1" dirty="0">
+                <a:solidFill>
+                  <a:schemeClr val="bg1"/>
+                </a:solidFill>
+              </a:rPr>
+              <a:t>(PDF)</a:t>
+            </a:r>
+          </a:p>
+        </p:txBody>
+      </p:sp>
+      <p:sp>
+        <p:nvSpPr>
+          <p:cNvPr id="29" name="Rounded Rectangle 28"/>
+          <p:cNvSpPr/>
+          <p:nvPr/>
+        </p:nvSpPr>
+        <p:spPr>
+          <a:xfrm>
+            <a:off x="8521866" y="4432391"/>
+            <a:ext cx="2206490" cy="1986461"/>
+          </a:xfrm>
+          <a:prstGeom prst="roundRect">
+            <a:avLst/>
+          </a:prstGeom>
+          <a:solidFill>
+            <a:schemeClr val="accent1">
+              <a:lumMod val="75000"/>
+            </a:schemeClr>
+          </a:solidFill>
+          <a:ln>
+            <a:noFill/>
+          </a:ln>
+        </p:spPr>
+        <p:style>
+          <a:lnRef idx="0">
+            <a:scrgbClr r="0" g="0" b="0"/>
+          </a:lnRef>
+          <a:fillRef idx="0">
+            <a:scrgbClr r="0" g="0" b="0"/>
+          </a:fillRef>
+          <a:effectRef idx="0">
+            <a:scrgbClr r="0" g="0" b="0"/>
+          </a:effectRef>
+          <a:fontRef idx="minor">
+            <a:schemeClr val="lt1"/>
+          </a:fontRef>
+        </p:style>
+        <p:txBody>
+          <a:bodyPr rtlCol="0" anchor="ctr"/>
+          <a:lstStyle/>
+          <a:p>
+            <a:pPr algn="ctr"/>
+            <a:endParaRPr lang="en-US"/>
+          </a:p>
+        </p:txBody>
+      </p:sp>
+      <p:sp>
+        <p:nvSpPr>
+          <p:cNvPr id="30" name="TextBox 29"/>
+          <p:cNvSpPr txBox="1"/>
+          <p:nvPr/>
+        </p:nvSpPr>
+        <p:spPr>
+          <a:xfrm>
+            <a:off x="8672857" y="4778021"/>
+            <a:ext cx="1904506" cy="1245209"/>
+          </a:xfrm>
+          <a:prstGeom prst="rect">
+            <a:avLst/>
+          </a:prstGeom>
+          <a:noFill/>
+        </p:spPr>
+        <p:txBody>
+          <a:bodyPr wrap="square" rtlCol="0">
+            <a:spAutoFit/>
+          </a:bodyPr>
+          <a:lstStyle/>
+          <a:p>
+            <a:pPr algn="ctr"/>
+            <a:r>
+              <a:rPr lang="en-US" sz="1400" b="1" dirty="0">
+                <a:solidFill>
+                  <a:schemeClr val="bg1"/>
+                </a:solidFill>
+              </a:rPr>
+              <a:t>Fast Healthcare Interoperability Resource</a:t>
+            </a:r>
+          </a:p>
+          <a:p>
+            <a:pPr algn="ctr"/>
+            <a:r>
+              <a:rPr lang="en-US" sz="1400" b="1" dirty="0">
+                <a:solidFill>
+                  <a:schemeClr val="bg1"/>
+                </a:solidFill>
+              </a:rPr>
+              <a:t>(FHIR)</a:t>
+            </a:r>
+          </a:p>
+        </p:txBody>
+      </p:sp>
+      <p:cxnSp>
+        <p:nvCxnSpPr>
+          <p:cNvPr id="49" name="Straight Arrow Connector 48"/>
+          <p:cNvCxnSpPr>
+            <a:cxnSpLocks/>
+          </p:cNvCxnSpPr>
+          <p:nvPr/>
+        </p:nvCxnSpPr>
+        <p:spPr>
+          <a:xfrm flipH="1">
+            <a:off x="3247627" y="2280091"/>
+            <a:ext cx="6415147" cy="2152300"/>
+          </a:xfrm>
+          <a:prstGeom prst="straightConnector1">
+            <a:avLst/>
+          </a:prstGeom>
+          <a:ln w="76200">
+            <a:prstDash val="dash"/>
+            <a:tailEnd type="triangle"/>
+          </a:ln>
+        </p:spPr>
+        <p:style>
+          <a:lnRef idx="1">
+            <a:schemeClr val="dk1"/>
+          </a:lnRef>
+          <a:fillRef idx="0">
+            <a:schemeClr val="dk1"/>
+          </a:fillRef>
+          <a:effectRef idx="0">
+            <a:schemeClr val="dk1"/>
+          </a:effectRef>
+          <a:fontRef idx="minor">
+            <a:schemeClr val="tx1"/>
+          </a:fontRef>
+        </p:style>
+      </p:cxnSp>
+      <p:cxnSp>
+        <p:nvCxnSpPr>
+          <p:cNvPr id="52" name="Straight Arrow Connector 51"/>
+          <p:cNvCxnSpPr>
+            <a:cxnSpLocks/>
+            <a:endCxn id="24" idx="0"/>
+          </p:cNvCxnSpPr>
+          <p:nvPr/>
+        </p:nvCxnSpPr>
+        <p:spPr>
+          <a:xfrm flipH="1">
+            <a:off x="4788955" y="2280091"/>
+            <a:ext cx="4835972" cy="2131041"/>
+          </a:xfrm>
+          <a:prstGeom prst="straightConnector1">
+            <a:avLst/>
+          </a:prstGeom>
+          <a:ln w="76200">
+            <a:prstDash val="dash"/>
+            <a:tailEnd type="triangle"/>
+          </a:ln>
+        </p:spPr>
+        <p:style>
+          <a:lnRef idx="1">
+            <a:schemeClr val="dk1"/>
+          </a:lnRef>
+          <a:fillRef idx="0">
+            <a:schemeClr val="dk1"/>
+          </a:fillRef>
+          <a:effectRef idx="0">
+            <a:schemeClr val="dk1"/>
+          </a:effectRef>
+          <a:fontRef idx="minor">
+            <a:schemeClr val="tx1"/>
+          </a:fontRef>
+        </p:style>
+      </p:cxnSp>
+      <p:cxnSp>
+        <p:nvCxnSpPr>
+          <p:cNvPr id="54" name="Straight Arrow Connector 53"/>
+          <p:cNvCxnSpPr>
+            <a:stCxn id="63" idx="2"/>
+            <a:endCxn id="27" idx="0"/>
+          </p:cNvCxnSpPr>
+          <p:nvPr/>
+        </p:nvCxnSpPr>
+        <p:spPr>
+          <a:xfrm flipH="1">
+            <a:off x="7159460" y="2280091"/>
+            <a:ext cx="2465560" cy="2131041"/>
+          </a:xfrm>
+          <a:prstGeom prst="straightConnector1">
+            <a:avLst/>
+          </a:prstGeom>
+          <a:ln w="76200">
+            <a:prstDash val="dash"/>
+            <a:tailEnd type="triangle"/>
+          </a:ln>
+        </p:spPr>
+        <p:style>
+          <a:lnRef idx="1">
+            <a:schemeClr val="dk1"/>
+          </a:lnRef>
+          <a:fillRef idx="0">
+            <a:schemeClr val="dk1"/>
+          </a:fillRef>
+          <a:effectRef idx="0">
+            <a:schemeClr val="dk1"/>
+          </a:effectRef>
+          <a:fontRef idx="minor">
+            <a:schemeClr val="tx1"/>
+          </a:fontRef>
+        </p:style>
+      </p:cxnSp>
+      <p:sp>
+        <p:nvSpPr>
+          <p:cNvPr id="58" name="Rounded Rectangle 57"/>
+          <p:cNvSpPr/>
+          <p:nvPr/>
+        </p:nvSpPr>
+        <p:spPr>
+          <a:xfrm>
+            <a:off x="4524236" y="504418"/>
+            <a:ext cx="2206490" cy="1986461"/>
+          </a:xfrm>
+          <a:prstGeom prst="roundRect">
+            <a:avLst/>
+          </a:prstGeom>
+          <a:solidFill>
+            <a:schemeClr val="accent1">
+              <a:lumMod val="75000"/>
+            </a:schemeClr>
+          </a:solidFill>
+          <a:ln>
+            <a:noFill/>
+          </a:ln>
+        </p:spPr>
+        <p:style>
+          <a:lnRef idx="0">
+            <a:scrgbClr r="0" g="0" b="0"/>
+          </a:lnRef>
+          <a:fillRef idx="0">
+            <a:scrgbClr r="0" g="0" b="0"/>
+          </a:fillRef>
+          <a:effectRef idx="0">
+            <a:scrgbClr r="0" g="0" b="0"/>
+          </a:effectRef>
+          <a:fontRef idx="minor">
+            <a:schemeClr val="lt1"/>
+          </a:fontRef>
+        </p:style>
+        <p:txBody>
+          <a:bodyPr rtlCol="0" anchor="ctr"/>
+          <a:lstStyle/>
+          <a:p>
+            <a:pPr algn="ctr"/>
+            <a:endParaRPr lang="en-US"/>
+          </a:p>
+        </p:txBody>
+      </p:sp>
+      <p:sp>
+        <p:nvSpPr>
+          <p:cNvPr id="59" name="TextBox 58"/>
+          <p:cNvSpPr txBox="1"/>
+          <p:nvPr/>
+        </p:nvSpPr>
+        <p:spPr>
+          <a:xfrm>
+            <a:off x="4675228" y="920436"/>
+            <a:ext cx="1904506" cy="1405882"/>
+          </a:xfrm>
+          <a:prstGeom prst="rect">
+            <a:avLst/>
+          </a:prstGeom>
+          <a:noFill/>
+        </p:spPr>
+        <p:txBody>
+          <a:bodyPr wrap="square" rtlCol="0">
+            <a:spAutoFit/>
+          </a:bodyPr>
+          <a:lstStyle/>
+          <a:p>
+            <a:pPr algn="ctr"/>
+            <a:r>
+              <a:rPr lang="en-US" sz="1600" b="1" dirty="0">
+                <a:solidFill>
+                  <a:schemeClr val="bg1"/>
+                </a:solidFill>
+              </a:rPr>
+              <a:t>Electronic Medical Record </a:t>
+            </a:r>
+          </a:p>
+          <a:p>
+            <a:pPr algn="ctr"/>
+            <a:r>
+              <a:rPr lang="en-US" sz="1600" b="1" dirty="0">
+                <a:solidFill>
+                  <a:schemeClr val="bg1"/>
+                </a:solidFill>
+              </a:rPr>
+              <a:t>(EMR)</a:t>
+            </a:r>
+          </a:p>
+        </p:txBody>
+      </p:sp>
+      <p:sp>
+        <p:nvSpPr>
+          <p:cNvPr id="71" name="Rounded Rectangle 70"/>
+          <p:cNvSpPr/>
+          <p:nvPr/>
+        </p:nvSpPr>
+        <p:spPr>
+          <a:xfrm>
+            <a:off x="1258008" y="479834"/>
+            <a:ext cx="2578692" cy="3565691"/>
+          </a:xfrm>
+          <a:prstGeom prst="roundRect">
+            <a:avLst/>
+          </a:prstGeom>
+          <a:solidFill>
+            <a:schemeClr val="accent1">
+              <a:lumMod val="75000"/>
+            </a:schemeClr>
+          </a:solidFill>
+          <a:ln>
+            <a:noFill/>
+          </a:ln>
+        </p:spPr>
+        <p:style>
+          <a:lnRef idx="0">
+            <a:scrgbClr r="0" g="0" b="0"/>
+          </a:lnRef>
+          <a:fillRef idx="0">
+            <a:scrgbClr r="0" g="0" b="0"/>
+          </a:fillRef>
+          <a:effectRef idx="0">
+            <a:scrgbClr r="0" g="0" b="0"/>
+          </a:effectRef>
+          <a:fontRef idx="minor">
+            <a:schemeClr val="lt1"/>
+          </a:fontRef>
+        </p:style>
+        <p:txBody>
+          <a:bodyPr rtlCol="0" anchor="ctr"/>
+          <a:lstStyle/>
+          <a:p>
+            <a:pPr algn="ctr"/>
+            <a:endParaRPr lang="en-US"/>
+          </a:p>
+        </p:txBody>
+      </p:sp>
+      <p:pic>
+        <p:nvPicPr>
+          <p:cNvPr id="72" name="Graphic 93">
+            <a:extLst>
+              <a:ext uri="{FF2B5EF4-FFF2-40B4-BE49-F238E27FC236}">
+                <a16:creationId xmlns:a16="http://schemas.microsoft.com/office/drawing/2014/main" id="{F760CE13-94E3-0D45-A76B-0EA32EAB26AB}"/>
+              </a:ext>
+            </a:extLst>
+          </p:cNvPr>
+          <p:cNvPicPr>
+            <a:picLocks noChangeAspect="1"/>
+          </p:cNvPicPr>
+          <p:nvPr/>
+        </p:nvPicPr>
+        <p:blipFill>
+          <a:blip r:embed="rId3" cstate="print">
+            <a:extLst>
+              <a:ext uri="{28A0092B-C50C-407E-A947-70E740481C1C}">
+                <a14:useLocalDpi xmlns:a14="http://schemas.microsoft.com/office/drawing/2010/main" val="0"/>
+              </a:ext>
+              <a:ext uri="{96DAC541-7B7A-43D3-8B79-37D633B846F1}">
+                <asvg:svgBlip xmlns:asvg="http://schemas.microsoft.com/office/drawing/2016/SVG/main" r:embed="rId4"/>
+              </a:ext>
+            </a:extLst>
+          </a:blip>
+          <a:stretch>
+            <a:fillRect/>
+          </a:stretch>
+        </p:blipFill>
+        <p:spPr>
+          <a:xfrm>
+            <a:off x="2863426" y="2221840"/>
+            <a:ext cx="553720" cy="668520"/>
+          </a:xfrm>
+          <a:prstGeom prst="rect">
+            <a:avLst/>
+          </a:prstGeom>
+        </p:spPr>
+      </p:pic>
+      <p:pic>
+        <p:nvPicPr>
+          <p:cNvPr id="73" name="Graphic 96">
+            <a:extLst>
+              <a:ext uri="{FF2B5EF4-FFF2-40B4-BE49-F238E27FC236}">
+                <a16:creationId xmlns:a16="http://schemas.microsoft.com/office/drawing/2014/main" id="{18BDE1C7-2E42-B845-8F7B-A0D864939E8B}"/>
+              </a:ext>
+            </a:extLst>
+          </p:cNvPr>
+          <p:cNvPicPr>
+            <a:picLocks noChangeAspect="1"/>
+          </p:cNvPicPr>
+          <p:nvPr/>
+        </p:nvPicPr>
+        <p:blipFill>
+          <a:blip r:embed="rId5" cstate="print">
+            <a:extLst>
+              <a:ext uri="{28A0092B-C50C-407E-A947-70E740481C1C}">
+                <a14:useLocalDpi xmlns:a14="http://schemas.microsoft.com/office/drawing/2010/main" val="0"/>
+              </a:ext>
+              <a:ext uri="{96DAC541-7B7A-43D3-8B79-37D633B846F1}">
+                <asvg:svgBlip xmlns:asvg="http://schemas.microsoft.com/office/drawing/2016/SVG/main" r:embed="rId6"/>
+              </a:ext>
+            </a:extLst>
+          </a:blip>
+          <a:stretch>
+            <a:fillRect/>
+          </a:stretch>
+        </p:blipFill>
+        <p:spPr>
+          <a:xfrm>
+            <a:off x="2900161" y="1329559"/>
+            <a:ext cx="533257" cy="644972"/>
+          </a:xfrm>
+          <a:prstGeom prst="rect">
+            <a:avLst/>
+          </a:prstGeom>
+        </p:spPr>
+      </p:pic>
+      <p:sp>
+        <p:nvSpPr>
+          <p:cNvPr id="75" name="TextBox 74"/>
+          <p:cNvSpPr txBox="1"/>
+          <p:nvPr/>
+        </p:nvSpPr>
+        <p:spPr>
+          <a:xfrm>
+            <a:off x="1131683" y="1367677"/>
+            <a:ext cx="1814807" cy="2369915"/>
+          </a:xfrm>
+          <a:prstGeom prst="rect">
+            <a:avLst/>
+          </a:prstGeom>
+          <a:noFill/>
+        </p:spPr>
+        <p:txBody>
+          <a:bodyPr wrap="square" rtlCol="0">
+            <a:spAutoFit/>
+          </a:bodyPr>
+          <a:lstStyle/>
+          <a:p>
+            <a:pPr algn="ctr"/>
+            <a:r>
+              <a:rPr lang="en-US" sz="1600" b="1" dirty="0">
+                <a:solidFill>
+                  <a:schemeClr val="bg1"/>
+                </a:solidFill>
+              </a:rPr>
+              <a:t>Provider</a:t>
+            </a:r>
+          </a:p>
+          <a:p>
+            <a:pPr algn="ctr"/>
+            <a:endParaRPr lang="en-US" sz="1600" b="1" dirty="0">
+              <a:solidFill>
+                <a:schemeClr val="bg1"/>
+              </a:solidFill>
+            </a:endParaRPr>
+          </a:p>
+          <a:p>
+            <a:pPr algn="ctr"/>
+            <a:endParaRPr lang="en-US" sz="1600" b="1" dirty="0">
+              <a:solidFill>
+                <a:schemeClr val="bg1"/>
+              </a:solidFill>
+            </a:endParaRPr>
+          </a:p>
+          <a:p>
+            <a:pPr algn="ctr"/>
+            <a:r>
+              <a:rPr lang="en-US" sz="1600" b="1" dirty="0">
+                <a:solidFill>
+                  <a:schemeClr val="bg1"/>
+                </a:solidFill>
+              </a:rPr>
+              <a:t>Patient</a:t>
+            </a:r>
+          </a:p>
+          <a:p>
+            <a:pPr algn="ctr"/>
+            <a:endParaRPr lang="en-US" sz="1600" b="1" dirty="0">
+              <a:solidFill>
+                <a:schemeClr val="bg1"/>
+              </a:solidFill>
+            </a:endParaRPr>
+          </a:p>
+          <a:p>
+            <a:pPr algn="ctr"/>
+            <a:endParaRPr lang="en-US" sz="1600" b="1" dirty="0">
+              <a:solidFill>
+                <a:schemeClr val="bg1"/>
+              </a:solidFill>
+            </a:endParaRPr>
+          </a:p>
+          <a:p>
+            <a:pPr algn="ctr"/>
+            <a:r>
+              <a:rPr lang="en-US" sz="1600" b="1" dirty="0">
+                <a:solidFill>
+                  <a:schemeClr val="bg1"/>
+                </a:solidFill>
+              </a:rPr>
+              <a:t>Application</a:t>
+            </a:r>
+          </a:p>
+        </p:txBody>
+      </p:sp>
+      <p:pic>
+        <p:nvPicPr>
+          <p:cNvPr id="76" name="Graphic 131">
+            <a:extLst>
+              <a:ext uri="{FF2B5EF4-FFF2-40B4-BE49-F238E27FC236}">
+                <a16:creationId xmlns:a16="http://schemas.microsoft.com/office/drawing/2014/main" id="{99ABFAAE-E78B-7D4D-8744-20381B014025}"/>
+              </a:ext>
+            </a:extLst>
+          </p:cNvPr>
+          <p:cNvPicPr>
+            <a:picLocks noChangeAspect="1"/>
+          </p:cNvPicPr>
+          <p:nvPr/>
+        </p:nvPicPr>
+        <p:blipFill>
+          <a:blip r:embed="rId7" cstate="print">
+            <a:extLst>
+              <a:ext uri="{28A0092B-C50C-407E-A947-70E740481C1C}">
+                <a14:useLocalDpi xmlns:a14="http://schemas.microsoft.com/office/drawing/2010/main" val="0"/>
+              </a:ext>
+              <a:ext uri="{96DAC541-7B7A-43D3-8B79-37D633B846F1}">
+                <asvg:svgBlip xmlns:asvg="http://schemas.microsoft.com/office/drawing/2016/SVG/main" r:embed="rId8"/>
+              </a:ext>
+            </a:extLst>
+          </a:blip>
+          <a:stretch>
+            <a:fillRect/>
+          </a:stretch>
+        </p:blipFill>
+        <p:spPr>
+          <a:xfrm>
+            <a:off x="2821865" y="3170145"/>
+            <a:ext cx="636841" cy="518710"/>
+          </a:xfrm>
+          <a:prstGeom prst="rect">
+            <a:avLst/>
+          </a:prstGeom>
+        </p:spPr>
+      </p:pic>
+      <p:cxnSp>
+        <p:nvCxnSpPr>
+          <p:cNvPr id="77" name="Straight Arrow Connector 76"/>
+          <p:cNvCxnSpPr/>
+          <p:nvPr/>
+        </p:nvCxnSpPr>
+        <p:spPr>
+          <a:xfrm>
+            <a:off x="3540242" y="1422679"/>
+            <a:ext cx="1248712" cy="0"/>
+          </a:xfrm>
+          <a:prstGeom prst="straightConnector1">
+            <a:avLst/>
+          </a:prstGeom>
+          <a:ln w="76200">
+            <a:prstDash val="dash"/>
+            <a:tailEnd type="triangle"/>
+          </a:ln>
+        </p:spPr>
+        <p:style>
+          <a:lnRef idx="1">
+            <a:schemeClr val="dk1"/>
+          </a:lnRef>
+          <a:fillRef idx="0">
+            <a:schemeClr val="dk1"/>
+          </a:fillRef>
+          <a:effectRef idx="0">
+            <a:schemeClr val="dk1"/>
+          </a:effectRef>
+          <a:fontRef idx="minor">
+            <a:schemeClr val="tx1"/>
+          </a:fontRef>
+        </p:style>
+      </p:cxnSp>
     </p:spTree>
     <p:extLst>
       <p:ext uri="{BB962C8B-B14F-4D97-AF65-F5344CB8AC3E}">
-        <p14:creationId xmlns:p14="http://schemas.microsoft.com/office/powerpoint/2010/main" val="2200694245"/>
+        <p14:creationId xmlns:p14="http://schemas.microsoft.com/office/powerpoint/2010/main" val="181264088"/>
       </p:ext>
     </p:extLst>
   </p:cSld>
@@ -4181,4 +5114,299 @@
     </a:ext>
   </a:extLst>
 </a:theme>
+</file>
+
+<file path=ppt/theme/theme2.xml><?xml version="1.0" encoding="utf-8"?>
+<a:theme xmlns:a="http://schemas.openxmlformats.org/drawingml/2006/main" name="Office Theme">
+  <a:themeElements>
+    <a:clrScheme name="Office">
+      <a:dk1>
+        <a:sysClr val="windowText" lastClr="000000"/>
+      </a:dk1>
+      <a:lt1>
+        <a:sysClr val="window" lastClr="FFFFFF"/>
+      </a:lt1>
+      <a:dk2>
+        <a:srgbClr val="44546A"/>
+      </a:dk2>
+      <a:lt2>
+        <a:srgbClr val="E7E6E6"/>
+      </a:lt2>
+      <a:accent1>
+        <a:srgbClr val="4472C4"/>
+      </a:accent1>
+      <a:accent2>
+        <a:srgbClr val="ED7D31"/>
+      </a:accent2>
+      <a:accent3>
+        <a:srgbClr val="A5A5A5"/>
+      </a:accent3>
+      <a:accent4>
+        <a:srgbClr val="FFC000"/>
+      </a:accent4>
+      <a:accent5>
+        <a:srgbClr val="5B9BD5"/>
+      </a:accent5>
+      <a:accent6>
+        <a:srgbClr val="70AD47"/>
+      </a:accent6>
+      <a:hlink>
+        <a:srgbClr val="0563C1"/>
+      </a:hlink>
+      <a:folHlink>
+        <a:srgbClr val="954F72"/>
+      </a:folHlink>
+    </a:clrScheme>
+    <a:fontScheme name="Office">
+      <a:majorFont>
+        <a:latin typeface="Calibri Light" panose="020F0302020204030204"/>
+        <a:ea typeface=""/>
+        <a:cs typeface=""/>
+        <a:font script="Jpan" typeface="游ゴシック Light"/>
+        <a:font script="Hang" typeface="맑은 고딕"/>
+        <a:font script="Hans" typeface="等线 Light"/>
+        <a:font script="Hant" typeface="新細明體"/>
+        <a:font script="Arab" typeface="Times New Roman"/>
+        <a:font script="Hebr" typeface="Times New Roman"/>
+        <a:font script="Thai" typeface="Angsana New"/>
+        <a:font script="Ethi" typeface="Nyala"/>
+        <a:font script="Beng" typeface="Vrinda"/>
+        <a:font script="Gujr" typeface="Shruti"/>
+        <a:font script="Khmr" typeface="MoolBoran"/>
+        <a:font script="Knda" typeface="Tunga"/>
+        <a:font script="Guru" typeface="Raavi"/>
+        <a:font script="Cans" typeface="Euphemia"/>
+        <a:font script="Cher" typeface="Plantagenet Cherokee"/>
+        <a:font script="Yiii" typeface="Microsoft Yi Baiti"/>
+        <a:font script="Tibt" typeface="Microsoft Himalaya"/>
+        <a:font script="Thaa" typeface="MV Boli"/>
+        <a:font script="Deva" typeface="Mangal"/>
+        <a:font script="Telu" typeface="Gautami"/>
+        <a:font script="Taml" typeface="Latha"/>
+        <a:font script="Syrc" typeface="Estrangelo Edessa"/>
+        <a:font script="Orya" typeface="Kalinga"/>
+        <a:font script="Mlym" typeface="Kartika"/>
+        <a:font script="Laoo" typeface="DokChampa"/>
+        <a:font script="Sinh" typeface="Iskoola Pota"/>
+        <a:font script="Mong" typeface="Mongolian Baiti"/>
+        <a:font script="Viet" typeface="Times New Roman"/>
+        <a:font script="Uigh" typeface="Microsoft Uighur"/>
+        <a:font script="Geor" typeface="Sylfaen"/>
+        <a:font script="Armn" typeface="Arial"/>
+        <a:font script="Bugi" typeface="Leelawadee UI"/>
+        <a:font script="Bopo" typeface="Microsoft JhengHei"/>
+        <a:font script="Java" typeface="Javanese Text"/>
+        <a:font script="Lisu" typeface="Segoe UI"/>
+        <a:font script="Mymr" typeface="Myanmar Text"/>
+        <a:font script="Nkoo" typeface="Ebrima"/>
+        <a:font script="Olck" typeface="Nirmala UI"/>
+        <a:font script="Osma" typeface="Ebrima"/>
+        <a:font script="Phag" typeface="Phagspa"/>
+        <a:font script="Syrn" typeface="Estrangelo Edessa"/>
+        <a:font script="Syrj" typeface="Estrangelo Edessa"/>
+        <a:font script="Syre" typeface="Estrangelo Edessa"/>
+        <a:font script="Sora" typeface="Nirmala UI"/>
+        <a:font script="Tale" typeface="Microsoft Tai Le"/>
+        <a:font script="Talu" typeface="Microsoft New Tai Lue"/>
+        <a:font script="Tfng" typeface="Ebrima"/>
+      </a:majorFont>
+      <a:minorFont>
+        <a:latin typeface="Calibri" panose="020F0502020204030204"/>
+        <a:ea typeface=""/>
+        <a:cs typeface=""/>
+        <a:font script="Jpan" typeface="游ゴシック"/>
+        <a:font script="Hang" typeface="맑은 고딕"/>
+        <a:font script="Hans" typeface="等线"/>
+        <a:font script="Hant" typeface="新細明體"/>
+        <a:font script="Arab" typeface="Arial"/>
+        <a:font script="Hebr" typeface="Arial"/>
+        <a:font script="Thai" typeface="Cordia New"/>
+        <a:font script="Ethi" typeface="Nyala"/>
+        <a:font script="Beng" typeface="Vrinda"/>
+        <a:font script="Gujr" typeface="Shruti"/>
+        <a:font script="Khmr" typeface="DaunPenh"/>
+        <a:font script="Knda" typeface="Tunga"/>
+        <a:font script="Guru" typeface="Raavi"/>
+        <a:font script="Cans" typeface="Euphemia"/>
+        <a:font script="Cher" typeface="Plantagenet Cherokee"/>
+        <a:font script="Yiii" typeface="Microsoft Yi Baiti"/>
+        <a:font script="Tibt" typeface="Microsoft Himalaya"/>
+        <a:font script="Thaa" typeface="MV Boli"/>
+        <a:font script="Deva" typeface="Mangal"/>
+        <a:font script="Telu" typeface="Gautami"/>
+        <a:font script="Taml" typeface="Latha"/>
+        <a:font script="Syrc" typeface="Estrangelo Edessa"/>
+        <a:font script="Orya" typeface="Kalinga"/>
+        <a:font script="Mlym" typeface="Kartika"/>
+        <a:font script="Laoo" typeface="DokChampa"/>
+        <a:font script="Sinh" typeface="Iskoola Pota"/>
+        <a:font script="Mong" typeface="Mongolian Baiti"/>
+        <a:font script="Viet" typeface="Arial"/>
+        <a:font script="Uigh" typeface="Microsoft Uighur"/>
+        <a:font script="Geor" typeface="Sylfaen"/>
+        <a:font script="Armn" typeface="Arial"/>
+        <a:font script="Bugi" typeface="Leelawadee UI"/>
+        <a:font script="Bopo" typeface="Microsoft JhengHei"/>
+        <a:font script="Java" typeface="Javanese Text"/>
+        <a:font script="Lisu" typeface="Segoe UI"/>
+        <a:font script="Mymr" typeface="Myanmar Text"/>
+        <a:font script="Nkoo" typeface="Ebrima"/>
+        <a:font script="Olck" typeface="Nirmala UI"/>
+        <a:font script="Osma" typeface="Ebrima"/>
+        <a:font script="Phag" typeface="Phagspa"/>
+        <a:font script="Syrn" typeface="Estrangelo Edessa"/>
+        <a:font script="Syrj" typeface="Estrangelo Edessa"/>
+        <a:font script="Syre" typeface="Estrangelo Edessa"/>
+        <a:font script="Sora" typeface="Nirmala UI"/>
+        <a:font script="Tale" typeface="Microsoft Tai Le"/>
+        <a:font script="Talu" typeface="Microsoft New Tai Lue"/>
+        <a:font script="Tfng" typeface="Ebrima"/>
+      </a:minorFont>
+    </a:fontScheme>
+    <a:fmtScheme name="Office">
+      <a:fillStyleLst>
+        <a:solidFill>
+          <a:schemeClr val="phClr"/>
+        </a:solidFill>
+        <a:gradFill rotWithShape="1">
+          <a:gsLst>
+            <a:gs pos="0">
+              <a:schemeClr val="phClr">
+                <a:lumMod val="110000"/>
+                <a:satMod val="105000"/>
+                <a:tint val="67000"/>
+              </a:schemeClr>
+            </a:gs>
+            <a:gs pos="50000">
+              <a:schemeClr val="phClr">
+                <a:lumMod val="105000"/>
+                <a:satMod val="103000"/>
+                <a:tint val="73000"/>
+              </a:schemeClr>
+            </a:gs>
+            <a:gs pos="100000">
+              <a:schemeClr val="phClr">
+                <a:lumMod val="105000"/>
+                <a:satMod val="109000"/>
+                <a:tint val="81000"/>
+              </a:schemeClr>
+            </a:gs>
+          </a:gsLst>
+          <a:lin ang="5400000" scaled="0"/>
+        </a:gradFill>
+        <a:gradFill rotWithShape="1">
+          <a:gsLst>
+            <a:gs pos="0">
+              <a:schemeClr val="phClr">
+                <a:satMod val="103000"/>
+                <a:lumMod val="102000"/>
+                <a:tint val="94000"/>
+              </a:schemeClr>
+            </a:gs>
+            <a:gs pos="50000">
+              <a:schemeClr val="phClr">
+                <a:satMod val="110000"/>
+                <a:lumMod val="100000"/>
+                <a:shade val="100000"/>
+              </a:schemeClr>
+            </a:gs>
+            <a:gs pos="100000">
+              <a:schemeClr val="phClr">
+                <a:lumMod val="99000"/>
+                <a:satMod val="120000"/>
+                <a:shade val="78000"/>
+              </a:schemeClr>
+            </a:gs>
+          </a:gsLst>
+          <a:lin ang="5400000" scaled="0"/>
+        </a:gradFill>
+      </a:fillStyleLst>
+      <a:lnStyleLst>
+        <a:ln w="6350" cap="flat" cmpd="sng" algn="ctr">
+          <a:solidFill>
+            <a:schemeClr val="phClr"/>
+          </a:solidFill>
+          <a:prstDash val="solid"/>
+          <a:miter lim="800000"/>
+        </a:ln>
+        <a:ln w="12700" cap="flat" cmpd="sng" algn="ctr">
+          <a:solidFill>
+            <a:schemeClr val="phClr"/>
+          </a:solidFill>
+          <a:prstDash val="solid"/>
+          <a:miter lim="800000"/>
+        </a:ln>
+        <a:ln w="19050" cap="flat" cmpd="sng" algn="ctr">
+          <a:solidFill>
+            <a:schemeClr val="phClr"/>
+          </a:solidFill>
+          <a:prstDash val="solid"/>
+          <a:miter lim="800000"/>
+        </a:ln>
+      </a:lnStyleLst>
+      <a:effectStyleLst>
+        <a:effectStyle>
+          <a:effectLst/>
+        </a:effectStyle>
+        <a:effectStyle>
+          <a:effectLst/>
+        </a:effectStyle>
+        <a:effectStyle>
+          <a:effectLst>
+            <a:outerShdw blurRad="57150" dist="19050" dir="5400000" algn="ctr" rotWithShape="0">
+              <a:srgbClr val="000000">
+                <a:alpha val="63000"/>
+              </a:srgbClr>
+            </a:outerShdw>
+          </a:effectLst>
+        </a:effectStyle>
+      </a:effectStyleLst>
+      <a:bgFillStyleLst>
+        <a:solidFill>
+          <a:schemeClr val="phClr"/>
+        </a:solidFill>
+        <a:solidFill>
+          <a:schemeClr val="phClr">
+            <a:tint val="95000"/>
+            <a:satMod val="170000"/>
+          </a:schemeClr>
+        </a:solidFill>
+        <a:gradFill rotWithShape="1">
+          <a:gsLst>
+            <a:gs pos="0">
+              <a:schemeClr val="phClr">
+                <a:tint val="93000"/>
+                <a:satMod val="150000"/>
+                <a:shade val="98000"/>
+                <a:lumMod val="102000"/>
+              </a:schemeClr>
+            </a:gs>
+            <a:gs pos="50000">
+              <a:schemeClr val="phClr">
+                <a:tint val="98000"/>
+                <a:satMod val="130000"/>
+                <a:shade val="90000"/>
+                <a:lumMod val="103000"/>
+              </a:schemeClr>
+            </a:gs>
+            <a:gs pos="100000">
+              <a:schemeClr val="phClr">
+                <a:shade val="63000"/>
+                <a:satMod val="120000"/>
+              </a:schemeClr>
+            </a:gs>
+          </a:gsLst>
+          <a:lin ang="5400000" scaled="0"/>
+        </a:gradFill>
+      </a:bgFillStyleLst>
+    </a:fmtScheme>
+  </a:themeElements>
+  <a:objectDefaults/>
+  <a:extraClrSchemeLst/>
+  <a:extLst>
+    <a:ext uri="{05A4C25C-085E-4340-85A3-A5531E510DB2}">
+      <thm15:themeFamily xmlns:thm15="http://schemas.microsoft.com/office/thememl/2012/main" name="Office Theme" id="{62F939B6-93AF-4DB8-9C6B-D6C7DFDC589F}" vid="{4A3C46E8-61CC-4603-A589-7422A47A8E4A}"/>
+    </a:ext>
+  </a:extLst>
+</a:theme>
 </file>